--- a/Lectures/Introduction_to_Rstudio.pptx
+++ b/Lectures/Introduction_to_Rstudio.pptx
@@ -261,7 +261,7 @@
           <a:p>
             <a:fld id="{F6B75C2D-8946-494C-BE2F-E2999171E32C}" type="datetimeFigureOut">
               <a:rPr lang="en-GB" smtClean="0"/>
-              <a:t>19/10/2021</a:t>
+              <a:t>09/10/2022</a:t>
             </a:fld>
             <a:endParaRPr lang="en-GB"/>
           </a:p>
@@ -431,7 +431,7 @@
           <a:p>
             <a:fld id="{F6B75C2D-8946-494C-BE2F-E2999171E32C}" type="datetimeFigureOut">
               <a:rPr lang="en-GB" smtClean="0"/>
-              <a:t>19/10/2021</a:t>
+              <a:t>09/10/2022</a:t>
             </a:fld>
             <a:endParaRPr lang="en-GB"/>
           </a:p>
@@ -611,7 +611,7 @@
           <a:p>
             <a:fld id="{F6B75C2D-8946-494C-BE2F-E2999171E32C}" type="datetimeFigureOut">
               <a:rPr lang="en-GB" smtClean="0"/>
-              <a:t>19/10/2021</a:t>
+              <a:t>09/10/2022</a:t>
             </a:fld>
             <a:endParaRPr lang="en-GB"/>
           </a:p>
@@ -781,7 +781,7 @@
           <a:p>
             <a:fld id="{F6B75C2D-8946-494C-BE2F-E2999171E32C}" type="datetimeFigureOut">
               <a:rPr lang="en-GB" smtClean="0"/>
-              <a:t>19/10/2021</a:t>
+              <a:t>09/10/2022</a:t>
             </a:fld>
             <a:endParaRPr lang="en-GB"/>
           </a:p>
@@ -1027,7 +1027,7 @@
           <a:p>
             <a:fld id="{F6B75C2D-8946-494C-BE2F-E2999171E32C}" type="datetimeFigureOut">
               <a:rPr lang="en-GB" smtClean="0"/>
-              <a:t>19/10/2021</a:t>
+              <a:t>09/10/2022</a:t>
             </a:fld>
             <a:endParaRPr lang="en-GB"/>
           </a:p>
@@ -1259,7 +1259,7 @@
           <a:p>
             <a:fld id="{F6B75C2D-8946-494C-BE2F-E2999171E32C}" type="datetimeFigureOut">
               <a:rPr lang="en-GB" smtClean="0"/>
-              <a:t>19/10/2021</a:t>
+              <a:t>09/10/2022</a:t>
             </a:fld>
             <a:endParaRPr lang="en-GB"/>
           </a:p>
@@ -1626,7 +1626,7 @@
           <a:p>
             <a:fld id="{F6B75C2D-8946-494C-BE2F-E2999171E32C}" type="datetimeFigureOut">
               <a:rPr lang="en-GB" smtClean="0"/>
-              <a:t>19/10/2021</a:t>
+              <a:t>09/10/2022</a:t>
             </a:fld>
             <a:endParaRPr lang="en-GB"/>
           </a:p>
@@ -1744,7 +1744,7 @@
           <a:p>
             <a:fld id="{F6B75C2D-8946-494C-BE2F-E2999171E32C}" type="datetimeFigureOut">
               <a:rPr lang="en-GB" smtClean="0"/>
-              <a:t>19/10/2021</a:t>
+              <a:t>09/10/2022</a:t>
             </a:fld>
             <a:endParaRPr lang="en-GB"/>
           </a:p>
@@ -1839,7 +1839,7 @@
           <a:p>
             <a:fld id="{F6B75C2D-8946-494C-BE2F-E2999171E32C}" type="datetimeFigureOut">
               <a:rPr lang="en-GB" smtClean="0"/>
-              <a:t>19/10/2021</a:t>
+              <a:t>09/10/2022</a:t>
             </a:fld>
             <a:endParaRPr lang="en-GB"/>
           </a:p>
@@ -2116,7 +2116,7 @@
           <a:p>
             <a:fld id="{F6B75C2D-8946-494C-BE2F-E2999171E32C}" type="datetimeFigureOut">
               <a:rPr lang="en-GB" smtClean="0"/>
-              <a:t>19/10/2021</a:t>
+              <a:t>09/10/2022</a:t>
             </a:fld>
             <a:endParaRPr lang="en-GB"/>
           </a:p>
@@ -2373,7 +2373,7 @@
           <a:p>
             <a:fld id="{F6B75C2D-8946-494C-BE2F-E2999171E32C}" type="datetimeFigureOut">
               <a:rPr lang="en-GB" smtClean="0"/>
-              <a:t>19/10/2021</a:t>
+              <a:t>09/10/2022</a:t>
             </a:fld>
             <a:endParaRPr lang="en-GB"/>
           </a:p>
@@ -2586,7 +2586,7 @@
           <a:p>
             <a:fld id="{F6B75C2D-8946-494C-BE2F-E2999171E32C}" type="datetimeFigureOut">
               <a:rPr lang="en-GB" smtClean="0"/>
-              <a:t>19/10/2021</a:t>
+              <a:t>09/10/2022</a:t>
             </a:fld>
             <a:endParaRPr lang="en-GB"/>
           </a:p>
@@ -3066,7 +3066,13 @@
               <a:rPr lang="en-GB" dirty="0">
                 <a:hlinkClick r:id="rId3"/>
               </a:rPr>
-              <a:t>https://github.com/krabberod/UNIS_AB332_2021</a:t>
+              <a:t>https://github.com/krabberod/UNIS</a:t>
+            </a:r>
+            <a:r>
+              <a:rPr lang="en-GB">
+                <a:hlinkClick r:id="rId3"/>
+              </a:rPr>
+              <a:t>_AB332_2022</a:t>
             </a:r>
             <a:endParaRPr lang="en-GB" dirty="0"/>
           </a:p>
@@ -3076,7 +3082,7 @@
           <a:p>
             <a:r>
               <a:rPr lang="en-GB" dirty="0"/>
-              <a:t>UNIS - AB332 - 2021</a:t>
+              <a:t>UNIS - AB332 - 2022</a:t>
             </a:r>
           </a:p>
         </p:txBody>
